--- a/9-EvidenciasdeParticipación/Grupo02-BombearCondensadosdeAgua.pptx
+++ b/9-EvidenciasdeParticipación/Grupo02-BombearCondensadosdeAgua.pptx
@@ -18,7 +18,8 @@
     <p:sldId id="268" r:id="rId12"/>
     <p:sldId id="269" r:id="rId13"/>
     <p:sldId id="270" r:id="rId14"/>
-    <p:sldId id="267" r:id="rId15"/>
+    <p:sldId id="271" r:id="rId15"/>
+    <p:sldId id="267" r:id="rId16"/>
   </p:sldIdLst>
   <p:sldSz cx="12192000" cy="6858000"/>
   <p:notesSz cx="6858000" cy="9144000"/>
@@ -1336,7 +1337,7 @@
           <a:p>
             <a:fld id="{E7B204A5-F3DF-4D5E-B71C-3A586D85AF29}" type="datetimeFigureOut">
               <a:rPr lang="es-SV" smtClean="0"/>
-              <a:t>30/5/2021</a:t>
+              <a:t>31/5/2021</a:t>
             </a:fld>
             <a:endParaRPr lang="es-SV"/>
           </a:p>
@@ -1574,7 +1575,7 @@
           <a:p>
             <a:fld id="{E7B204A5-F3DF-4D5E-B71C-3A586D85AF29}" type="datetimeFigureOut">
               <a:rPr lang="es-SV" smtClean="0"/>
-              <a:t>30/5/2021</a:t>
+              <a:t>31/5/2021</a:t>
             </a:fld>
             <a:endParaRPr lang="es-SV"/>
           </a:p>
@@ -1754,7 +1755,7 @@
           <a:p>
             <a:fld id="{E7B204A5-F3DF-4D5E-B71C-3A586D85AF29}" type="datetimeFigureOut">
               <a:rPr lang="es-SV" smtClean="0"/>
-              <a:t>30/5/2021</a:t>
+              <a:t>31/5/2021</a:t>
             </a:fld>
             <a:endParaRPr lang="es-SV"/>
           </a:p>
@@ -1924,7 +1925,7 @@
           <a:p>
             <a:fld id="{E7B204A5-F3DF-4D5E-B71C-3A586D85AF29}" type="datetimeFigureOut">
               <a:rPr lang="es-SV" smtClean="0"/>
-              <a:t>30/5/2021</a:t>
+              <a:t>31/5/2021</a:t>
             </a:fld>
             <a:endParaRPr lang="es-SV"/>
           </a:p>
@@ -2200,7 +2201,7 @@
           <a:p>
             <a:fld id="{E7B204A5-F3DF-4D5E-B71C-3A586D85AF29}" type="datetimeFigureOut">
               <a:rPr lang="es-SV" smtClean="0"/>
-              <a:t>30/5/2021</a:t>
+              <a:t>31/5/2021</a:t>
             </a:fld>
             <a:endParaRPr lang="es-SV"/>
           </a:p>
@@ -3401,7 +3402,7 @@
           <a:p>
             <a:fld id="{E7B204A5-F3DF-4D5E-B71C-3A586D85AF29}" type="datetimeFigureOut">
               <a:rPr lang="es-SV" smtClean="0"/>
-              <a:t>30/5/2021</a:t>
+              <a:t>31/5/2021</a:t>
             </a:fld>
             <a:endParaRPr lang="es-SV"/>
           </a:p>
@@ -3791,7 +3792,7 @@
           <a:p>
             <a:fld id="{E7B204A5-F3DF-4D5E-B71C-3A586D85AF29}" type="datetimeFigureOut">
               <a:rPr lang="es-SV" smtClean="0"/>
-              <a:t>30/5/2021</a:t>
+              <a:t>31/5/2021</a:t>
             </a:fld>
             <a:endParaRPr lang="es-SV"/>
           </a:p>
@@ -3914,7 +3915,7 @@
           <a:p>
             <a:fld id="{E7B204A5-F3DF-4D5E-B71C-3A586D85AF29}" type="datetimeFigureOut">
               <a:rPr lang="es-SV" smtClean="0"/>
-              <a:t>30/5/2021</a:t>
+              <a:t>31/5/2021</a:t>
             </a:fld>
             <a:endParaRPr lang="es-SV"/>
           </a:p>
@@ -4009,7 +4010,7 @@
           <a:p>
             <a:fld id="{E7B204A5-F3DF-4D5E-B71C-3A586D85AF29}" type="datetimeFigureOut">
               <a:rPr lang="es-SV" smtClean="0"/>
-              <a:t>30/5/2021</a:t>
+              <a:t>31/5/2021</a:t>
             </a:fld>
             <a:endParaRPr lang="es-SV"/>
           </a:p>
@@ -4772,7 +4773,7 @@
           <a:p>
             <a:fld id="{E7B204A5-F3DF-4D5E-B71C-3A586D85AF29}" type="datetimeFigureOut">
               <a:rPr lang="es-SV" smtClean="0"/>
-              <a:t>30/5/2021</a:t>
+              <a:t>31/5/2021</a:t>
             </a:fld>
             <a:endParaRPr lang="es-SV"/>
           </a:p>
@@ -5612,7 +5613,7 @@
           <a:p>
             <a:fld id="{E7B204A5-F3DF-4D5E-B71C-3A586D85AF29}" type="datetimeFigureOut">
               <a:rPr lang="es-SV" smtClean="0"/>
-              <a:t>30/5/2021</a:t>
+              <a:t>31/5/2021</a:t>
             </a:fld>
             <a:endParaRPr lang="es-SV"/>
           </a:p>
@@ -5839,7 +5840,7 @@
           <a:p>
             <a:fld id="{E7B204A5-F3DF-4D5E-B71C-3A586D85AF29}" type="datetimeFigureOut">
               <a:rPr lang="es-SV" smtClean="0"/>
-              <a:t>30/5/2021</a:t>
+              <a:t>31/5/2021</a:t>
             </a:fld>
             <a:endParaRPr lang="es-SV"/>
           </a:p>
@@ -7029,10 +7030,10 @@
       </p:grpSpPr>
       <p:pic>
         <p:nvPicPr>
-          <p:cNvPr id="4" name="Imagen 3">
+          <p:cNvPr id="2" name="Imagen 1">
             <a:extLst>
               <a:ext uri="{FF2B5EF4-FFF2-40B4-BE49-F238E27FC236}">
-                <a16:creationId xmlns:a16="http://schemas.microsoft.com/office/drawing/2014/main" id="{988EDF1E-8FDA-422B-BE84-729DE65635CB}"/>
+                <a16:creationId xmlns:a16="http://schemas.microsoft.com/office/drawing/2014/main" id="{ACC0BEAF-33A2-45FF-93A5-F54C7C1A0384}"/>
               </a:ext>
             </a:extLst>
           </p:cNvPr>
@@ -7049,8 +7050,8 @@
         </p:blipFill>
         <p:spPr>
           <a:xfrm>
-            <a:off x="1546181" y="1118433"/>
-            <a:ext cx="9099637" cy="4240018"/>
+            <a:off x="1566862" y="1109662"/>
+            <a:ext cx="9058275" cy="4638675"/>
           </a:xfrm>
           <a:prstGeom prst="rect">
             <a:avLst/>
@@ -7089,10 +7090,10 @@
       </p:grpSpPr>
       <p:pic>
         <p:nvPicPr>
-          <p:cNvPr id="4" name="Imagen 3">
+          <p:cNvPr id="2" name="Imagen 1">
             <a:extLst>
               <a:ext uri="{FF2B5EF4-FFF2-40B4-BE49-F238E27FC236}">
-                <a16:creationId xmlns:a16="http://schemas.microsoft.com/office/drawing/2014/main" id="{2164D352-46BA-4AAA-936E-32D032A552B4}"/>
+                <a16:creationId xmlns:a16="http://schemas.microsoft.com/office/drawing/2014/main" id="{BA21E95D-3638-4679-8FD0-FEB4CE94A534}"/>
               </a:ext>
             </a:extLst>
           </p:cNvPr>
@@ -7109,8 +7110,8 @@
         </p:blipFill>
         <p:spPr>
           <a:xfrm>
-            <a:off x="1909762" y="600294"/>
-            <a:ext cx="9012698" cy="5234449"/>
+            <a:off x="1871662" y="947737"/>
+            <a:ext cx="8448675" cy="4962525"/>
           </a:xfrm>
           <a:prstGeom prst="rect">
             <a:avLst/>
@@ -7149,10 +7150,10 @@
       </p:grpSpPr>
       <p:pic>
         <p:nvPicPr>
-          <p:cNvPr id="4" name="Imagen 3">
+          <p:cNvPr id="3" name="Imagen 2">
             <a:extLst>
               <a:ext uri="{FF2B5EF4-FFF2-40B4-BE49-F238E27FC236}">
-                <a16:creationId xmlns:a16="http://schemas.microsoft.com/office/drawing/2014/main" id="{EEFBFF5D-8B3A-4605-A6A4-B897416F9643}"/>
+                <a16:creationId xmlns:a16="http://schemas.microsoft.com/office/drawing/2014/main" id="{03E06AC3-CF89-47EF-A689-E429B28C381F}"/>
               </a:ext>
             </a:extLst>
           </p:cNvPr>
@@ -7169,8 +7170,8 @@
         </p:blipFill>
         <p:spPr>
           <a:xfrm>
-            <a:off x="2397295" y="231677"/>
-            <a:ext cx="7777219" cy="6506837"/>
+            <a:off x="1771650" y="576262"/>
+            <a:ext cx="8648700" cy="5705475"/>
           </a:xfrm>
           <a:prstGeom prst="rect">
             <a:avLst/>
@@ -7191,6 +7192,66 @@
 </file>
 
 <file path=ppt/slides/slide14.xml><?xml version="1.0" encoding="utf-8"?>
+<p:sld xmlns:a="http://schemas.openxmlformats.org/drawingml/2006/main" xmlns:r="http://schemas.openxmlformats.org/officeDocument/2006/relationships" xmlns:p="http://schemas.openxmlformats.org/presentationml/2006/main">
+  <p:cSld>
+    <p:spTree>
+      <p:nvGrpSpPr>
+        <p:cNvPr id="1" name=""/>
+        <p:cNvGrpSpPr/>
+        <p:nvPr/>
+      </p:nvGrpSpPr>
+      <p:grpSpPr>
+        <a:xfrm>
+          <a:off x="0" y="0"/>
+          <a:ext cx="0" cy="0"/>
+          <a:chOff x="0" y="0"/>
+          <a:chExt cx="0" cy="0"/>
+        </a:xfrm>
+      </p:grpSpPr>
+      <p:pic>
+        <p:nvPicPr>
+          <p:cNvPr id="4" name="Imagen 3">
+            <a:extLst>
+              <a:ext uri="{FF2B5EF4-FFF2-40B4-BE49-F238E27FC236}">
+                <a16:creationId xmlns:a16="http://schemas.microsoft.com/office/drawing/2014/main" id="{0FCF0606-3EB7-4457-B1F4-D53424811272}"/>
+              </a:ext>
+            </a:extLst>
+          </p:cNvPr>
+          <p:cNvPicPr>
+            <a:picLocks noChangeAspect="1"/>
+          </p:cNvPicPr>
+          <p:nvPr/>
+        </p:nvPicPr>
+        <p:blipFill>
+          <a:blip r:embed="rId2"/>
+          <a:stretch>
+            <a:fillRect/>
+          </a:stretch>
+        </p:blipFill>
+        <p:spPr>
+          <a:xfrm>
+            <a:off x="1966326" y="1040062"/>
+            <a:ext cx="8259347" cy="4777875"/>
+          </a:xfrm>
+          <a:prstGeom prst="rect">
+            <a:avLst/>
+          </a:prstGeom>
+        </p:spPr>
+      </p:pic>
+    </p:spTree>
+    <p:extLst>
+      <p:ext uri="{BB962C8B-B14F-4D97-AF65-F5344CB8AC3E}">
+        <p14:creationId xmlns:p14="http://schemas.microsoft.com/office/powerpoint/2010/main" val="610873046"/>
+      </p:ext>
+    </p:extLst>
+  </p:cSld>
+  <p:clrMapOvr>
+    <a:masterClrMapping/>
+  </p:clrMapOvr>
+</p:sld>
+</file>
+
+<file path=ppt/slides/slide15.xml><?xml version="1.0" encoding="utf-8"?>
 <p:sld xmlns:a="http://schemas.openxmlformats.org/drawingml/2006/main" xmlns:r="http://schemas.openxmlformats.org/officeDocument/2006/relationships" xmlns:p="http://schemas.openxmlformats.org/presentationml/2006/main">
   <p:cSld>
     <p:spTree>
